--- a/Analyzing-Signals-And-Systems.pptx
+++ b/Analyzing-Signals-And-Systems.pptx
@@ -281,7 +281,7 @@
               <a:pPr>
                 <a:defRPr/>
               </a:pPr>
-              <a:t>4/21/22</a:t>
+              <a:t>4/23/22</a:t>
             </a:fld>
             <a:endParaRPr lang="en-US" altLang="x-none"/>
           </a:p>
@@ -490,7 +490,7 @@
               <a:pPr>
                 <a:defRPr/>
               </a:pPr>
-              <a:t>4/21/22</a:t>
+              <a:t>4/23/22</a:t>
             </a:fld>
             <a:endParaRPr lang="en-US" altLang="x-none"/>
           </a:p>
@@ -5137,11 +5137,8 @@
             </a:br>
             <a:r>
               <a:rPr lang="en-US" sz="3200" b="1" dirty="0"/>
-              <a:t>Analyzing Signals and Transfer Functions</a:t>
+              <a:t>Analyzing Signals and Systems</a:t>
             </a:r>
-            <a:br>
-              <a:rPr lang="en-US" b="1" dirty="0"/>
-            </a:br>
             <a:br>
               <a:rPr lang="en-US" b="1" dirty="0"/>
             </a:br>
@@ -5355,7 +5352,7 @@
           <a:p>
             <a:r>
               <a:rPr lang="en-US" dirty="0"/>
-              <a:t>Transfer functions</a:t>
+              <a:t>Analyzing systems using transfer functions</a:t>
             </a:r>
           </a:p>
           <a:p>
@@ -8747,8 +8744,8 @@
           </p:sp>
         </mc:Fallback>
       </mc:AlternateContent>
-      <mc:AlternateContent xmlns:mc="http://schemas.openxmlformats.org/markup-compatibility/2006" xmlns:a14="http://schemas.microsoft.com/office/drawing/2010/main">
-        <mc:Choice Requires="a14">
+      <mc:AlternateContent xmlns:mc="http://schemas.openxmlformats.org/markup-compatibility/2006">
+        <mc:Choice xmlns:a14="http://schemas.microsoft.com/office/drawing/2010/main" Requires="a14">
           <p:sp>
             <p:nvSpPr>
               <p:cNvPr id="5" name="Rectangle 4">
@@ -8934,7 +8931,7 @@
                 </a14:m>
                 <a:r>
                   <a:rPr lang="en-US" dirty="0"/>
-                  <a:t>. Suppose that </a:t>
+                  <a:t>. Consider </a:t>
                 </a:r>
                 <a14:m>
                   <m:oMath xmlns:m="http://schemas.openxmlformats.org/officeDocument/2006/math">
@@ -9046,7 +9043,7 @@
                 </a14:m>
                 <a:r>
                   <a:rPr lang="en-US" dirty="0"/>
-                  <a:t>, an input with exponential decay. Then, with this input </a:t>
+                  <a:t>, a signal with exponential decay. Then, with this input </a:t>
                 </a:r>
                 <a14:m>
                   <m:oMath xmlns:m="http://schemas.openxmlformats.org/officeDocument/2006/math">
@@ -9411,7 +9408,7 @@
             </p:txBody>
           </p:sp>
         </mc:Choice>
-        <mc:Fallback xmlns="">
+        <mc:Fallback>
           <p:sp>
             <p:nvSpPr>
               <p:cNvPr id="5" name="Rectangle 4">
@@ -9509,7 +9506,7 @@
           <a:p>
             <a:r>
               <a:rPr lang="en-US" dirty="0"/>
-              <a:t>Poles of a Transfer Transform</a:t>
+              <a:t>Poles of a Transfer Function</a:t>
             </a:r>
           </a:p>
         </p:txBody>
@@ -9549,8 +9546,8 @@
           </a:p>
         </p:txBody>
       </p:sp>
-      <mc:AlternateContent xmlns:mc="http://schemas.openxmlformats.org/markup-compatibility/2006" xmlns:a14="http://schemas.microsoft.com/office/drawing/2010/main">
-        <mc:Choice Requires="a14">
+      <mc:AlternateContent xmlns:mc="http://schemas.openxmlformats.org/markup-compatibility/2006">
+        <mc:Choice xmlns:a14="http://schemas.microsoft.com/office/drawing/2010/main" Requires="a14">
           <p:sp>
             <p:nvSpPr>
               <p:cNvPr id="4" name="TextBox 3">
@@ -9565,8 +9562,8 @@
             </p:nvSpPr>
             <p:spPr>
               <a:xfrm>
-                <a:off x="457200" y="1558231"/>
-                <a:ext cx="7972148" cy="3850991"/>
+                <a:off x="457200" y="863751"/>
+                <a:ext cx="7972148" cy="5789983"/>
               </a:xfrm>
               <a:prstGeom prst="rect">
                 <a:avLst/>
@@ -9908,6 +9905,19 @@
                 </a:r>
               </a:p>
               <a:p>
+                <a:pPr marL="285750" indent="-285750">
+                  <a:buFont typeface="Arial" panose="020B0604020202020204" pitchFamily="34" charset="0"/>
+                  <a:buChar char="•"/>
+                </a:pPr>
+                <a:endParaRPr lang="en-US" dirty="0"/>
+              </a:p>
+              <a:p>
+                <a:r>
+                  <a:rPr lang="en-US" dirty="0"/>
+                  <a:t>The poles provide insight into settling times as well, how long it takes for the system to converge to a new output when the input changes. Systems whose largest pole is more negative will converge faster. For example, consider the two systems System A, with poles -0.1, -4, and System B with pols -1, -2. System B converges faster because its largest pole, -1, is more negative than the largest pole of System A, -0.1.</a:t>
+                </a:r>
+              </a:p>
+              <a:p>
                 <a:r>
                   <a:rPr lang="en-US" dirty="0"/>
                   <a:t> </a:t>
@@ -9919,7 +9929,7 @@
             </p:txBody>
           </p:sp>
         </mc:Choice>
-        <mc:Fallback xmlns="">
+        <mc:Fallback>
           <p:sp>
             <p:nvSpPr>
               <p:cNvPr id="4" name="TextBox 3">
@@ -9936,8 +9946,8 @@
             </p:nvSpPr>
             <p:spPr>
               <a:xfrm>
-                <a:off x="457200" y="1558231"/>
-                <a:ext cx="7972148" cy="3850991"/>
+                <a:off x="457200" y="863751"/>
+                <a:ext cx="7972148" cy="5789983"/>
               </a:xfrm>
               <a:prstGeom prst="rect">
                 <a:avLst/>
@@ -10128,8 +10138,8 @@
           </a:prstGeom>
         </p:spPr>
       </p:pic>
-      <mc:AlternateContent xmlns:mc="http://schemas.openxmlformats.org/markup-compatibility/2006">
-        <mc:Choice xmlns:a14="http://schemas.microsoft.com/office/drawing/2010/main" Requires="a14">
+      <mc:AlternateContent xmlns:mc="http://schemas.openxmlformats.org/markup-compatibility/2006" xmlns:a14="http://schemas.microsoft.com/office/drawing/2010/main">
+        <mc:Choice Requires="a14">
           <p:sp>
             <p:nvSpPr>
               <p:cNvPr id="4" name="Rectangle 3">
@@ -11045,7 +11055,7 @@
             </p:txBody>
           </p:sp>
         </mc:Choice>
-        <mc:Fallback>
+        <mc:Fallback xmlns="">
           <p:sp>
             <p:nvSpPr>
               <p:cNvPr id="4" name="Rectangle 3">
@@ -11354,7 +11364,7 @@
             <p:spPr>
               <a:xfrm>
                 <a:off x="430349" y="2878259"/>
-                <a:ext cx="7972148" cy="1750607"/>
+                <a:ext cx="7972148" cy="2056845"/>
               </a:xfrm>
               <a:prstGeom prst="rect">
                 <a:avLst/>
@@ -11540,18 +11550,29 @@
                     <m:limLow>
                       <m:limLowPr>
                         <m:ctrlPr>
-                          <a:rPr lang="en-US" b="0" i="0" smtClean="0">
+                          <a:rPr lang="en-US" b="0" i="1" smtClean="0">
                             <a:latin typeface="Cambria Math" panose="02040503050406030204" pitchFamily="18" charset="0"/>
                           </a:rPr>
                         </m:ctrlPr>
                       </m:limLowPr>
                       <m:e>
-                        <m:r>
-                          <a:rPr lang="en-US" b="0" i="0" smtClean="0">
-                            <a:latin typeface="Cambria Math" panose="02040503050406030204" pitchFamily="18" charset="0"/>
-                          </a:rPr>
-                          <m:t>10</m:t>
-                        </m:r>
+                        <m:d>
+                          <m:dPr>
+                            <m:ctrlPr>
+                              <a:rPr lang="en-US" b="0" i="1" smtClean="0">
+                                <a:latin typeface="Cambria Math" panose="02040503050406030204" pitchFamily="18" charset="0"/>
+                              </a:rPr>
+                            </m:ctrlPr>
+                          </m:dPr>
+                          <m:e>
+                            <m:r>
+                              <a:rPr lang="en-US" b="0" i="0" smtClean="0">
+                                <a:latin typeface="Cambria Math" panose="02040503050406030204" pitchFamily="18" charset="0"/>
+                              </a:rPr>
+                              <m:t>10</m:t>
+                            </m:r>
+                          </m:e>
+                        </m:d>
                         <m:r>
                           <m:rPr>
                             <m:sty m:val="p"/>
@@ -11577,6 +11598,12 @@
                         </m:r>
                       </m:lim>
                     </m:limLow>
+                    <m:r>
+                      <a:rPr lang="en-US" b="0" i="1" smtClean="0">
+                        <a:latin typeface="Cambria Math" panose="02040503050406030204" pitchFamily="18" charset="0"/>
+                      </a:rPr>
+                      <m:t> </m:t>
+                    </m:r>
                     <m:r>
                       <a:rPr lang="en-US" b="0" i="1" smtClean="0">
                         <a:latin typeface="Cambria Math" panose="02040503050406030204" pitchFamily="18" charset="0"/>
@@ -11709,7 +11736,10 @@
                     </m:r>
                   </m:oMath>
                 </a14:m>
-                <a:endParaRPr lang="en-US" dirty="0"/>
+                <a:r>
+                  <a:rPr lang="en-US" dirty="0"/>
+                  <a:t> </a:t>
+                </a:r>
               </a:p>
               <a:p>
                 <a:endParaRPr lang="en-US" dirty="0"/>
@@ -11735,7 +11765,7 @@
             <p:spPr>
               <a:xfrm>
                 <a:off x="430349" y="2878259"/>
-                <a:ext cx="7972148" cy="1750607"/>
+                <a:ext cx="7972148" cy="2056845"/>
               </a:xfrm>
               <a:prstGeom prst="rect">
                 <a:avLst/>
@@ -11743,7 +11773,7 @@
               <a:blipFill>
                 <a:blip r:embed="rId3"/>
                 <a:stretch>
-                  <a:fillRect l="-796" t="-1439"/>
+                  <a:fillRect l="-796" t="-1227"/>
                 </a:stretch>
               </a:blipFill>
             </p:spPr>
@@ -11776,7 +11806,7 @@
         </p:nvSpPr>
         <p:spPr>
           <a:xfrm>
-            <a:off x="457200" y="4547499"/>
+            <a:off x="457200" y="4767419"/>
             <a:ext cx="7972148" cy="646331"/>
           </a:xfrm>
           <a:prstGeom prst="rect">
@@ -12014,8 +12044,8 @@
           </a:prstGeom>
         </p:spPr>
       </p:pic>
-      <mc:AlternateContent xmlns:mc="http://schemas.openxmlformats.org/markup-compatibility/2006">
-        <mc:Choice xmlns:a14="http://schemas.microsoft.com/office/drawing/2010/main" Requires="a14">
+      <mc:AlternateContent xmlns:mc="http://schemas.openxmlformats.org/markup-compatibility/2006" xmlns:a14="http://schemas.microsoft.com/office/drawing/2010/main">
+        <mc:Choice Requires="a14">
           <p:sp>
             <p:nvSpPr>
               <p:cNvPr id="9" name="TextBox 8">
@@ -12138,7 +12168,7 @@
                     <m:limLow>
                       <m:limLowPr>
                         <m:ctrlPr>
-                          <a:rPr lang="en-US" b="0" i="0" smtClean="0">
+                          <a:rPr lang="en-US" b="0" i="1" smtClean="0">
                             <a:latin typeface="Cambria Math" panose="02040503050406030204" pitchFamily="18" charset="0"/>
                           </a:rPr>
                         </m:ctrlPr>
@@ -12346,7 +12376,7 @@
             </p:txBody>
           </p:sp>
         </mc:Choice>
-        <mc:Fallback>
+        <mc:Fallback xmlns="">
           <p:sp>
             <p:nvSpPr>
               <p:cNvPr id="9" name="TextBox 8">
